--- a/textbook/파이썬4-1교시.pptx
+++ b/textbook/파이썬4-1교시.pptx
@@ -3730,7 +3730,7 @@
     <mc:Choice Requires="p14">
       <p:transition/>
     </mc:Choice>
-    <mc:Fallback xmlns:dsp="http://schemas.microsoft.com/office/drawing/2008/diagram" xmlns:dgm="http://schemas.openxmlformats.org/drawingml/2006/diagram" xmlns:c="http://schemas.openxmlformats.org/drawingml/2006/chart" xmlns="">
+    <mc:Fallback xmlns="" xmlns:c="http://schemas.openxmlformats.org/drawingml/2006/chart" xmlns:dgm="http://schemas.openxmlformats.org/drawingml/2006/diagram" xmlns:dsp="http://schemas.microsoft.com/office/drawing/2008/diagram">
       <p:transition/>
     </mc:Fallback>
   </mc:AlternateContent>
@@ -3946,7 +3946,7 @@
     <mc:Choice Requires="p14">
       <p:transition/>
     </mc:Choice>
-    <mc:Fallback xmlns="" xmlns:c="http://schemas.openxmlformats.org/drawingml/2006/chart" xmlns:dgm="http://schemas.openxmlformats.org/drawingml/2006/diagram" xmlns:dsp="http://schemas.microsoft.com/office/drawing/2008/diagram">
+    <mc:Fallback xmlns:dsp="http://schemas.microsoft.com/office/drawing/2008/diagram" xmlns:dgm="http://schemas.openxmlformats.org/drawingml/2006/diagram" xmlns:c="http://schemas.openxmlformats.org/drawingml/2006/chart" xmlns="">
       <p:transition/>
     </mc:Fallback>
   </mc:AlternateContent>
@@ -7183,7 +7183,7 @@
     <mc:Choice Requires="p14">
       <p:transition/>
     </mc:Choice>
-    <mc:Fallback xmlns:dsp="http://schemas.microsoft.com/office/drawing/2008/diagram" xmlns:dgm="http://schemas.openxmlformats.org/drawingml/2006/diagram" xmlns:c="http://schemas.openxmlformats.org/drawingml/2006/chart" xmlns="">
+    <mc:Fallback xmlns="" xmlns:c="http://schemas.openxmlformats.org/drawingml/2006/chart" xmlns:dgm="http://schemas.openxmlformats.org/drawingml/2006/diagram" xmlns:dsp="http://schemas.microsoft.com/office/drawing/2008/diagram">
       <p:transition/>
     </mc:Fallback>
   </mc:AlternateContent>
@@ -10344,12 +10344,8 @@
           <a:lstStyle/>
           <a:p>
             <a:r>
-              <a:rPr lang="en-US" altLang="ko-KR" dirty="0" err="1"/>
-              <a:t>Lable</a:t>
-            </a:r>
-            <a:r>
               <a:rPr lang="en-US" altLang="ko-KR" dirty="0"/>
-              <a:t> </a:t>
+              <a:t>Label </a:t>
             </a:r>
             <a:r>
               <a:rPr lang="ko-KR" altLang="en-US" dirty="0"/>
